--- a/QA Berlin Project Update.pptx
+++ b/QA Berlin Project Update.pptx
@@ -10773,7 +10773,7 @@
           </a:ln>
           <a:extLst>
             <a:ext uri="{C572A759-6A51-4108-AA02-DFA0A04FC94B}">
-              <ma14:wrappingTextBoxFlag xmlns:ma14="http://schemas.microsoft.com/office/mac/drawingml/2011/main" xmlns="" val="1"/>
+              <ma14:wrappingTextBoxFlag xmlns="" xmlns:ma14="http://schemas.microsoft.com/office/mac/drawingml/2011/main" val="1"/>
             </a:ext>
           </a:extLst>
         </p:spPr>
@@ -13514,7 +13514,7 @@
           </a:ln>
           <a:extLst>
             <a:ext uri="{C572A759-6A51-4108-AA02-DFA0A04FC94B}">
-              <ma14:wrappingTextBoxFlag xmlns:ma14="http://schemas.microsoft.com/office/mac/drawingml/2011/main" xmlns="" val="1"/>
+              <ma14:wrappingTextBoxFlag xmlns="" xmlns:ma14="http://schemas.microsoft.com/office/mac/drawingml/2011/main" val="1"/>
             </a:ext>
           </a:extLst>
         </p:spPr>
@@ -13553,7 +13553,7 @@
           </a:ln>
           <a:extLst>
             <a:ext uri="{C572A759-6A51-4108-AA02-DFA0A04FC94B}">
-              <ma14:wrappingTextBoxFlag xmlns:ma14="http://schemas.microsoft.com/office/mac/drawingml/2011/main" xmlns="" val="1"/>
+              <ma14:wrappingTextBoxFlag xmlns="" xmlns:ma14="http://schemas.microsoft.com/office/mac/drawingml/2011/main" val="1"/>
             </a:ext>
           </a:extLst>
         </p:spPr>
@@ -14530,13 +14530,8 @@
           <a:p>
             <a:r>
               <a:rPr lang="en-US" dirty="0" smtClean="0"/>
-              <a:t>Project Update, OpenStack Summit </a:t>
-            </a:r>
-            <a:r>
-              <a:rPr lang="en-US" dirty="0" smtClean="0"/>
-              <a:t>Berlin</a:t>
-            </a:r>
-            <a:endParaRPr lang="en-US" dirty="0" smtClean="0"/>
+              <a:t>Project Update, OpenStack Summit Berlin</a:t>
+            </a:r>
           </a:p>
           <a:p>
             <a:endParaRPr lang="en-US" dirty="0" smtClean="0"/>
@@ -14725,8 +14720,9 @@
             </a:r>
             <a:r>
               <a:rPr lang="en-IN" sz="4100" dirty="0" smtClean="0"/>
-              <a:t>Harbinger</a:t>
-            </a:r>
+              <a:t>Harbinger </a:t>
+            </a:r>
+            <a:endParaRPr lang="en-IN" sz="4100" dirty="0" smtClean="0"/>
           </a:p>
           <a:p>
             <a:pPr>
@@ -14847,7 +14843,7 @@
           </a:ln>
           <a:extLst>
             <a:ext uri="{C572A759-6A51-4108-AA02-DFA0A04FC94B}">
-              <ma14:wrappingTextBoxFlag xmlns:ma14="http://schemas.microsoft.com/office/mac/drawingml/2011/main" xmlns="" val="1"/>
+              <ma14:wrappingTextBoxFlag xmlns="" xmlns:ma14="http://schemas.microsoft.com/office/mac/drawingml/2011/main" val="1"/>
             </a:ext>
           </a:extLst>
         </p:spPr>
@@ -14870,11 +14866,7 @@
           <a:p>
             <a:r>
               <a:rPr lang="en-US" dirty="0" smtClean="0"/>
-              <a:t>Beyond </a:t>
-            </a:r>
-            <a:r>
-              <a:rPr lang="en-US" dirty="0" smtClean="0"/>
-              <a:t>Stein</a:t>
+              <a:t>Beyond Stein</a:t>
             </a:r>
             <a:endParaRPr dirty="0"/>
           </a:p>
@@ -15007,11 +14999,7 @@
             </a:r>
             <a:r>
               <a:rPr lang="en-US" sz="4100" dirty="0" smtClean="0"/>
-              <a:t>usage and </a:t>
-            </a:r>
-            <a:r>
-              <a:rPr lang="en-US" sz="4100" dirty="0" smtClean="0"/>
-              <a:t>guidelines</a:t>
+              <a:t>usage and guidelines</a:t>
             </a:r>
             <a:endParaRPr lang="en-US" sz="4100" dirty="0"/>
           </a:p>
@@ -15616,19 +15604,7 @@
               <a:rPr lang="en-US" dirty="0" smtClean="0">
                 <a:hlinkClick r:id="rId2"/>
               </a:rPr>
-              <a:t>QA </a:t>
-            </a:r>
-            <a:r>
-              <a:rPr lang="en-US" dirty="0" smtClean="0">
-                <a:hlinkClick r:id="rId3"/>
-              </a:rPr>
-              <a:t>Onboarding </a:t>
-            </a:r>
-            <a:r>
-              <a:rPr lang="en-US" dirty="0" smtClean="0">
-                <a:hlinkClick r:id="rId2"/>
-              </a:rPr>
-              <a:t>sessions</a:t>
+              <a:t>QA Onboarding sessions</a:t>
             </a:r>
             <a:r>
               <a:rPr lang="en-US" dirty="0" smtClean="0"/>
@@ -15701,19 +15677,19 @@
             </a:r>
             <a:r>
               <a:rPr lang="en-US" dirty="0" err="1">
-                <a:hlinkClick r:id="rId4"/>
+                <a:hlinkClick r:id="rId3"/>
               </a:rPr>
               <a:t>Freenode</a:t>
             </a:r>
             <a:r>
               <a:rPr lang="en-US" dirty="0">
-                <a:hlinkClick r:id="rId4"/>
+                <a:hlinkClick r:id="rId3"/>
               </a:rPr>
               <a:t> </a:t>
             </a:r>
             <a:r>
               <a:rPr lang="en-US" dirty="0" smtClean="0">
-                <a:hlinkClick r:id="rId4"/>
+                <a:hlinkClick r:id="rId3"/>
               </a:rPr>
               <a:t>IRC</a:t>
             </a:r>
@@ -15761,7 +15737,7 @@
             </a:r>
             <a:r>
               <a:rPr lang="en-US" dirty="0" smtClean="0">
-                <a:hlinkClick r:id="rId5"/>
+                <a:hlinkClick r:id="rId4"/>
               </a:rPr>
               <a:t>PTG </a:t>
             </a:r>
@@ -15803,7 +15779,7 @@
             </a:pPr>
             <a:r>
               <a:rPr lang="en-US" dirty="0" smtClean="0">
-                <a:hlinkClick r:id="rId6"/>
+                <a:hlinkClick r:id="rId5"/>
               </a:rPr>
               <a:t>OpenStack Contributor Guide</a:t>
             </a:r>
@@ -16985,7 +16961,6 @@
               <a:rPr lang="en-US" dirty="0" smtClean="0"/>
               <a:t>  </a:t>
             </a:r>
-            <a:endParaRPr lang="en-US" dirty="0" smtClean="0"/>
           </a:p>
           <a:p>
             <a:r>
@@ -17098,7 +17073,7 @@
           </a:ln>
           <a:extLst>
             <a:ext uri="{C572A759-6A51-4108-AA02-DFA0A04FC94B}">
-              <ma14:wrappingTextBoxFlag xmlns:ma14="http://schemas.microsoft.com/office/mac/drawingml/2011/main" xmlns="" val="1"/>
+              <ma14:wrappingTextBoxFlag xmlns="" xmlns:ma14="http://schemas.microsoft.com/office/mac/drawingml/2011/main" val="1"/>
             </a:ext>
           </a:extLst>
         </p:spPr>
@@ -17811,19 +17786,11 @@
             </a:r>
             <a:r>
               <a:rPr lang="fr-FR" sz="4000" dirty="0" err="1"/>
-              <a:t>T</a:t>
-            </a:r>
-            <a:r>
-              <a:rPr lang="fr-FR" sz="4000" dirty="0" err="1"/>
-              <a:t>empest</a:t>
+              <a:t>Tempest</a:t>
             </a:r>
             <a:r>
               <a:rPr lang="fr-FR" sz="4000" dirty="0"/>
-              <a:t> &amp; Plugins container </a:t>
-            </a:r>
-            <a:r>
-              <a:rPr lang="fr-FR" sz="4000" dirty="0"/>
-              <a:t>source image</a:t>
+              <a:t> &amp; Plugins container source image</a:t>
             </a:r>
             <a:endParaRPr lang="en-IN" sz="4000" dirty="0"/>
           </a:p>
@@ -17838,15 +17805,7 @@
             </a:pPr>
             <a:r>
               <a:rPr lang="en-IN" sz="4000" dirty="0"/>
-              <a:t>More </a:t>
-            </a:r>
-            <a:r>
-              <a:rPr lang="en-IN" sz="4000" dirty="0"/>
-              <a:t>coverage for new features </a:t>
-            </a:r>
-            <a:r>
-              <a:rPr lang="en-IN" sz="4000" dirty="0"/>
-              <a:t>and </a:t>
+              <a:t>More coverage for new features and </a:t>
             </a:r>
             <a:r>
               <a:rPr lang="en-IN" sz="4000" dirty="0" smtClean="0"/>
@@ -17887,7 +17846,7 @@
           </a:ln>
           <a:extLst>
             <a:ext uri="{C572A759-6A51-4108-AA02-DFA0A04FC94B}">
-              <ma14:wrappingTextBoxFlag xmlns:ma14="http://schemas.microsoft.com/office/mac/drawingml/2011/main" xmlns="" val="1"/>
+              <ma14:wrappingTextBoxFlag xmlns="" xmlns:ma14="http://schemas.microsoft.com/office/mac/drawingml/2011/main" val="1"/>
             </a:ext>
           </a:extLst>
         </p:spPr>
@@ -18089,11 +18048,7 @@
             </a:r>
             <a:r>
               <a:rPr lang="en-IN" sz="3200" dirty="0" smtClean="0"/>
-              <a:t> updates for s</a:t>
-            </a:r>
-            <a:r>
-              <a:rPr lang="en-IN" sz="3200" dirty="0" smtClean="0"/>
-              <a:t>table release of </a:t>
+              <a:t> updates for stable release of </a:t>
             </a:r>
             <a:r>
               <a:rPr lang="en-IN" sz="3200" dirty="0" err="1" smtClean="0"/>
@@ -18103,7 +18058,6 @@
               <a:rPr lang="en-IN" sz="3200" dirty="0" smtClean="0"/>
               <a:t> job.  </a:t>
             </a:r>
-            <a:endParaRPr lang="en-IN" sz="3200" dirty="0" smtClean="0"/>
           </a:p>
           <a:p>
             <a:pPr lvl="4">
@@ -18187,7 +18141,7 @@
           </a:ln>
           <a:extLst>
             <a:ext uri="{C572A759-6A51-4108-AA02-DFA0A04FC94B}">
-              <ma14:wrappingTextBoxFlag xmlns:ma14="http://schemas.microsoft.com/office/mac/drawingml/2011/main" xmlns="" val="1"/>
+              <ma14:wrappingTextBoxFlag xmlns="" xmlns:ma14="http://schemas.microsoft.com/office/mac/drawingml/2011/main" val="1"/>
             </a:ext>
           </a:extLst>
         </p:spPr>
@@ -18317,7 +18271,6 @@
               <a:rPr lang="en-IN" sz="4100" dirty="0" smtClean="0"/>
               <a:t>jobs for grenade</a:t>
             </a:r>
-            <a:endParaRPr lang="en-IN" sz="4100" dirty="0" smtClean="0"/>
           </a:p>
           <a:p>
             <a:pPr>
@@ -18352,11 +18305,7 @@
             </a:pPr>
             <a:r>
               <a:rPr lang="en-IN" sz="4100" dirty="0" smtClean="0"/>
-              <a:t>More documentation and guidelines for </a:t>
-            </a:r>
-            <a:r>
-              <a:rPr lang="en-IN" sz="4100" dirty="0" smtClean="0"/>
-              <a:t>Tempest plugins</a:t>
+              <a:t>More documentation and guidelines for Tempest plugins</a:t>
             </a:r>
           </a:p>
           <a:p>
@@ -18396,11 +18345,7 @@
             </a:pPr>
             <a:r>
               <a:rPr lang="en-IN" sz="4100" dirty="0" smtClean="0"/>
-              <a:t>Make</a:t>
-            </a:r>
-            <a:r>
-              <a:rPr lang="en-IN" sz="4100" dirty="0" smtClean="0"/>
-              <a:t> </a:t>
+              <a:t>Make </a:t>
             </a:r>
             <a:r>
               <a:rPr lang="en-IN" sz="4100" dirty="0"/>
@@ -18505,7 +18450,7 @@
           </a:ln>
           <a:extLst>
             <a:ext uri="{C572A759-6A51-4108-AA02-DFA0A04FC94B}">
-              <ma14:wrappingTextBoxFlag xmlns:ma14="http://schemas.microsoft.com/office/mac/drawingml/2011/main" xmlns="" val="1"/>
+              <ma14:wrappingTextBoxFlag xmlns="" xmlns:ma14="http://schemas.microsoft.com/office/mac/drawingml/2011/main" val="1"/>
             </a:ext>
           </a:extLst>
         </p:spPr>
@@ -18559,7 +18504,7 @@
           </a:ln>
           <a:extLst>
             <a:ext uri="{C572A759-6A51-4108-AA02-DFA0A04FC94B}">
-              <ma14:wrappingTextBoxFlag xmlns:ma14="http://schemas.microsoft.com/office/mac/drawingml/2011/main" xmlns="" val="1"/>
+              <ma14:wrappingTextBoxFlag xmlns="" xmlns:ma14="http://schemas.microsoft.com/office/mac/drawingml/2011/main" val="1"/>
             </a:ext>
           </a:extLst>
         </p:spPr>
